--- a/IPC via shared files.pptx
+++ b/IPC via shared files.pptx
@@ -316,7 +316,7 @@
           <a:p>
             <a:fld id="{5BCAD085-E8A6-8845-BD4E-CB4CCA059FC4}" type="datetimeFigureOut">
               <a:rPr lang="en-US" smtClean="0"/>
-              <a:t>12/7/2025</a:t>
+              <a:t>12/8/2025</a:t>
             </a:fld>
             <a:endParaRPr lang="en-US"/>
           </a:p>
@@ -484,7 +484,7 @@
           <a:p>
             <a:fld id="{5BCAD085-E8A6-8845-BD4E-CB4CCA059FC4}" type="datetimeFigureOut">
               <a:rPr lang="en-US" smtClean="0"/>
-              <a:t>12/7/2025</a:t>
+              <a:t>12/8/2025</a:t>
             </a:fld>
             <a:endParaRPr lang="en-US"/>
           </a:p>
@@ -662,7 +662,7 @@
           <a:p>
             <a:fld id="{5BCAD085-E8A6-8845-BD4E-CB4CCA059FC4}" type="datetimeFigureOut">
               <a:rPr lang="en-US" smtClean="0"/>
-              <a:t>12/7/2025</a:t>
+              <a:t>12/8/2025</a:t>
             </a:fld>
             <a:endParaRPr lang="en-US"/>
           </a:p>
@@ -830,7 +830,7 @@
           <a:p>
             <a:fld id="{5BCAD085-E8A6-8845-BD4E-CB4CCA059FC4}" type="datetimeFigureOut">
               <a:rPr lang="en-US" smtClean="0"/>
-              <a:t>12/7/2025</a:t>
+              <a:t>12/8/2025</a:t>
             </a:fld>
             <a:endParaRPr lang="en-US"/>
           </a:p>
@@ -1075,7 +1075,7 @@
           <a:p>
             <a:fld id="{5BCAD085-E8A6-8845-BD4E-CB4CCA059FC4}" type="datetimeFigureOut">
               <a:rPr lang="en-US" smtClean="0"/>
-              <a:t>12/7/2025</a:t>
+              <a:t>12/8/2025</a:t>
             </a:fld>
             <a:endParaRPr lang="en-US"/>
           </a:p>
@@ -1360,7 +1360,7 @@
           <a:p>
             <a:fld id="{5BCAD085-E8A6-8845-BD4E-CB4CCA059FC4}" type="datetimeFigureOut">
               <a:rPr lang="en-US" smtClean="0"/>
-              <a:t>12/7/2025</a:t>
+              <a:t>12/8/2025</a:t>
             </a:fld>
             <a:endParaRPr lang="en-US"/>
           </a:p>
@@ -1779,7 +1779,7 @@
           <a:p>
             <a:fld id="{5BCAD085-E8A6-8845-BD4E-CB4CCA059FC4}" type="datetimeFigureOut">
               <a:rPr lang="en-US" smtClean="0"/>
-              <a:t>12/7/2025</a:t>
+              <a:t>12/8/2025</a:t>
             </a:fld>
             <a:endParaRPr lang="en-US"/>
           </a:p>
@@ -1896,7 +1896,7 @@
           <a:p>
             <a:fld id="{5BCAD085-E8A6-8845-BD4E-CB4CCA059FC4}" type="datetimeFigureOut">
               <a:rPr lang="en-US" smtClean="0"/>
-              <a:t>12/7/2025</a:t>
+              <a:t>12/8/2025</a:t>
             </a:fld>
             <a:endParaRPr lang="en-US"/>
           </a:p>
@@ -1991,7 +1991,7 @@
           <a:p>
             <a:fld id="{5BCAD085-E8A6-8845-BD4E-CB4CCA059FC4}" type="datetimeFigureOut">
               <a:rPr lang="en-US" smtClean="0"/>
-              <a:t>12/7/2025</a:t>
+              <a:t>12/8/2025</a:t>
             </a:fld>
             <a:endParaRPr lang="en-US"/>
           </a:p>
@@ -2266,7 +2266,7 @@
           <a:p>
             <a:fld id="{5BCAD085-E8A6-8845-BD4E-CB4CCA059FC4}" type="datetimeFigureOut">
               <a:rPr lang="en-US" smtClean="0"/>
-              <a:t>12/7/2025</a:t>
+              <a:t>12/8/2025</a:t>
             </a:fld>
             <a:endParaRPr lang="en-US"/>
           </a:p>
@@ -2518,7 +2518,7 @@
           <a:p>
             <a:fld id="{5BCAD085-E8A6-8845-BD4E-CB4CCA059FC4}" type="datetimeFigureOut">
               <a:rPr lang="en-US" smtClean="0"/>
-              <a:t>12/7/2025</a:t>
+              <a:t>12/8/2025</a:t>
             </a:fld>
             <a:endParaRPr lang="en-US"/>
           </a:p>
@@ -2729,7 +2729,7 @@
           <a:p>
             <a:fld id="{5BCAD085-E8A6-8845-BD4E-CB4CCA059FC4}" type="datetimeFigureOut">
               <a:rPr lang="en-US" smtClean="0"/>
-              <a:t>12/7/2025</a:t>
+              <a:t>12/8/2025</a:t>
             </a:fld>
             <a:endParaRPr lang="en-US"/>
           </a:p>
@@ -3120,7 +3120,11 @@
             <p:ph type="ctrTitle"/>
           </p:nvPr>
         </p:nvSpPr>
-        <p:spPr/>
+        <p:spPr>
+          <a:solidFill>
+            <a:schemeClr val="bg2"/>
+          </a:solidFill>
+        </p:spPr>
         <p:txBody>
           <a:bodyPr/>
           <a:lstStyle/>
@@ -3148,7 +3152,11 @@
             <p:ph type="subTitle" idx="1"/>
           </p:nvPr>
         </p:nvSpPr>
-        <p:spPr/>
+        <p:spPr>
+          <a:solidFill>
+            <a:schemeClr val="bg2"/>
+          </a:solidFill>
+        </p:spPr>
         <p:txBody>
           <a:bodyPr/>
           <a:lstStyle/>
@@ -3208,12 +3216,17 @@
             <p:ph type="title"/>
           </p:nvPr>
         </p:nvSpPr>
-        <p:spPr/>
-        <p:txBody>
-          <a:bodyPr/>
-          <a:lstStyle/>
-          <a:p>
-            <a:r>
+        <p:spPr>
+          <a:solidFill>
+            <a:schemeClr val="bg2"/>
+          </a:solidFill>
+        </p:spPr>
+        <p:txBody>
+          <a:bodyPr/>
+          <a:lstStyle/>
+          <a:p>
+            <a:r>
+              <a:rPr dirty="0"/>
               <a:t>Writer Example</a:t>
             </a:r>
           </a:p>
@@ -3229,10 +3242,14 @@
             <p:ph idx="1"/>
           </p:nvPr>
         </p:nvSpPr>
-        <p:spPr/>
+        <p:spPr>
+          <a:solidFill>
+            <a:schemeClr val="bg2"/>
+          </a:solidFill>
+        </p:spPr>
         <p:txBody>
           <a:bodyPr>
-            <a:normAutofit fontScale="47500" lnSpcReduction="20000"/>
+            <a:normAutofit fontScale="62500" lnSpcReduction="20000"/>
           </a:bodyPr>
           <a:lstStyle/>
           <a:p>
@@ -3241,7 +3258,15 @@
             </a:pPr>
             <a:r>
               <a:rPr lang="en-US" dirty="0"/>
-              <a:t>#include &lt;iostream&gt;</a:t>
+              <a:t>#include &lt;</a:t>
+            </a:r>
+            <a:r>
+              <a:rPr lang="en-US" dirty="0" err="1"/>
+              <a:t>fcntl.h</a:t>
+            </a:r>
+            <a:r>
+              <a:rPr lang="en-US" dirty="0"/>
+              <a:t>&gt;      // open()</a:t>
             </a:r>
           </a:p>
           <a:p>
@@ -3254,11 +3279,11 @@
             </a:r>
             <a:r>
               <a:rPr lang="en-US" dirty="0" err="1"/>
-              <a:t>fstream</a:t>
-            </a:r>
-            <a:r>
-              <a:rPr lang="en-US" dirty="0"/>
-              <a:t>&gt;</a:t>
+              <a:t>unistd.h</a:t>
+            </a:r>
+            <a:r>
+              <a:rPr lang="en-US" dirty="0"/>
+              <a:t>&gt;     // write(), close()</a:t>
             </a:r>
           </a:p>
           <a:p>
@@ -3267,7 +3292,23 @@
             </a:pPr>
             <a:r>
               <a:rPr lang="en-US" dirty="0"/>
-              <a:t>using namespace std;</a:t>
+              <a:t>#include &lt;</a:t>
+            </a:r>
+            <a:r>
+              <a:rPr lang="en-US" dirty="0" err="1"/>
+              <a:t>string.h</a:t>
+            </a:r>
+            <a:r>
+              <a:rPr lang="en-US" dirty="0"/>
+              <a:t>&gt;     // </a:t>
+            </a:r>
+            <a:r>
+              <a:rPr lang="en-US" dirty="0" err="1"/>
+              <a:t>strlen</a:t>
+            </a:r>
+            <a:r>
+              <a:rPr lang="en-US" dirty="0"/>
+              <a:t>()</a:t>
             </a:r>
           </a:p>
           <a:p>
@@ -3291,75 +3332,15 @@
             </a:pPr>
             <a:r>
               <a:rPr lang="en-US" dirty="0"/>
-              <a:t>    </a:t>
+              <a:t>    int </a:t>
             </a:r>
             <a:r>
               <a:rPr lang="en-US" dirty="0" err="1"/>
-              <a:t>ofstream</a:t>
-            </a:r>
-            <a:r>
-              <a:rPr lang="en-US" dirty="0"/>
-              <a:t> </a:t>
-            </a:r>
-            <a:r>
-              <a:rPr lang="en-US" dirty="0" err="1"/>
-              <a:t>fout</a:t>
-            </a:r>
-            <a:r>
-              <a:rPr lang="en-US" dirty="0"/>
-              <a:t>("shared.txt");   </a:t>
-            </a:r>
-          </a:p>
-          <a:p>
-            <a:pPr marL="0" indent="0">
-              <a:buNone/>
-            </a:pPr>
-            <a:r>
-              <a:rPr lang="en-US" dirty="0"/>
-              <a:t>    if (!</a:t>
-            </a:r>
-            <a:r>
-              <a:rPr lang="en-US" dirty="0" err="1"/>
-              <a:t>fout</a:t>
-            </a:r>
-            <a:r>
-              <a:rPr lang="en-US" dirty="0"/>
-              <a:t>) {</a:t>
-            </a:r>
-          </a:p>
-          <a:p>
-            <a:pPr marL="0" indent="0">
-              <a:buNone/>
-            </a:pPr>
-            <a:r>
-              <a:rPr lang="en-US" dirty="0"/>
-              <a:t>        </a:t>
-            </a:r>
-            <a:r>
-              <a:rPr lang="en-US" dirty="0" err="1"/>
-              <a:t>cout</a:t>
-            </a:r>
-            <a:r>
-              <a:rPr lang="en-US" dirty="0"/>
-              <a:t> &lt;&lt; "Error opening file!\n";</a:t>
-            </a:r>
-          </a:p>
-          <a:p>
-            <a:pPr marL="0" indent="0">
-              <a:buNone/>
-            </a:pPr>
-            <a:r>
-              <a:rPr lang="en-US" dirty="0"/>
-              <a:t>        return 1;</a:t>
-            </a:r>
-          </a:p>
-          <a:p>
-            <a:pPr marL="0" indent="0">
-              <a:buNone/>
-            </a:pPr>
-            <a:r>
-              <a:rPr lang="en-US" dirty="0"/>
-              <a:t>    }</a:t>
+              <a:t>fd</a:t>
+            </a:r>
+            <a:r>
+              <a:rPr lang="en-US" dirty="0"/>
+              <a:t> = open("shared.txt", O_WRONLY | O_CREAT | O_TRUNC, 0644);</a:t>
             </a:r>
           </a:p>
           <a:p>
@@ -3374,32 +3355,32 @@
             </a:pPr>
             <a:r>
               <a:rPr lang="en-US" dirty="0"/>
-              <a:t>    </a:t>
+              <a:t>    const char *msg = "Hello from Process A!";</a:t>
+            </a:r>
+          </a:p>
+          <a:p>
+            <a:pPr marL="0" indent="0">
+              <a:buNone/>
+            </a:pPr>
+            <a:r>
+              <a:rPr lang="en-US" dirty="0"/>
+              <a:t>    write(</a:t>
             </a:r>
             <a:r>
               <a:rPr lang="en-US" dirty="0" err="1"/>
-              <a:t>fout</a:t>
-            </a:r>
-            <a:r>
-              <a:rPr lang="en-US" dirty="0"/>
-              <a:t> &lt;&lt; "Hello from Process A!";  </a:t>
-            </a:r>
-          </a:p>
-          <a:p>
-            <a:pPr marL="0" indent="0">
-              <a:buNone/>
-            </a:pPr>
-            <a:r>
-              <a:rPr lang="en-US" dirty="0"/>
-              <a:t>    </a:t>
+              <a:t>fd</a:t>
+            </a:r>
+            <a:r>
+              <a:rPr lang="en-US" dirty="0"/>
+              <a:t>, msg, </a:t>
             </a:r>
             <a:r>
               <a:rPr lang="en-US" dirty="0" err="1"/>
-              <a:t>fout.close</a:t>
-            </a:r>
-            <a:r>
-              <a:rPr lang="en-US" dirty="0"/>
-              <a:t>();</a:t>
+              <a:t>strlen</a:t>
+            </a:r>
+            <a:r>
+              <a:rPr lang="en-US" dirty="0"/>
+              <a:t>(msg));</a:t>
             </a:r>
           </a:p>
           <a:p>
@@ -3414,15 +3395,15 @@
             </a:pPr>
             <a:r>
               <a:rPr lang="en-US" dirty="0"/>
-              <a:t>    </a:t>
+              <a:t>    close(</a:t>
             </a:r>
             <a:r>
               <a:rPr lang="en-US" dirty="0" err="1"/>
-              <a:t>cout</a:t>
-            </a:r>
-            <a:r>
-              <a:rPr lang="en-US" dirty="0"/>
-              <a:t> &lt;&lt; "Message written to file.\n";</a:t>
+              <a:t>fd</a:t>
+            </a:r>
+            <a:r>
+              <a:rPr lang="en-US" dirty="0"/>
+              <a:t>);</a:t>
             </a:r>
           </a:p>
           <a:p>
@@ -3442,12 +3423,6 @@
               <a:rPr lang="en-US" dirty="0"/>
               <a:t>}</a:t>
             </a:r>
-          </a:p>
-          <a:p>
-            <a:pPr marL="0" indent="0">
-              <a:buNone/>
-            </a:pPr>
-            <a:endParaRPr dirty="0"/>
           </a:p>
         </p:txBody>
       </p:sp>
@@ -3486,12 +3461,17 @@
             <p:ph type="title"/>
           </p:nvPr>
         </p:nvSpPr>
-        <p:spPr/>
-        <p:txBody>
-          <a:bodyPr/>
-          <a:lstStyle/>
-          <a:p>
-            <a:r>
+        <p:spPr>
+          <a:solidFill>
+            <a:schemeClr val="bg2"/>
+          </a:solidFill>
+        </p:spPr>
+        <p:txBody>
+          <a:bodyPr/>
+          <a:lstStyle/>
+          <a:p>
+            <a:r>
+              <a:rPr dirty="0"/>
               <a:t>Reader Example</a:t>
             </a:r>
           </a:p>
@@ -3507,7 +3487,11 @@
             <p:ph idx="1"/>
           </p:nvPr>
         </p:nvSpPr>
-        <p:spPr/>
+        <p:spPr>
+          <a:solidFill>
+            <a:schemeClr val="bg2"/>
+          </a:solidFill>
+        </p:spPr>
         <p:txBody>
           <a:bodyPr>
             <a:normAutofit fontScale="47500" lnSpcReduction="20000"/>
@@ -3516,33 +3500,67 @@
           <a:p>
             <a:r>
               <a:rPr lang="en-US" dirty="0"/>
+              <a:t>#include &lt;</a:t>
+            </a:r>
+            <a:r>
+              <a:rPr lang="en-US" dirty="0" err="1"/>
+              <a:t>fcntl.h</a:t>
+            </a:r>
+            <a:r>
+              <a:rPr lang="en-US" dirty="0"/>
+              <a:t>&gt;      // open()</a:t>
+            </a:r>
+          </a:p>
+          <a:p>
+            <a:r>
+              <a:rPr lang="en-US" dirty="0"/>
+              <a:t>#include &lt;</a:t>
+            </a:r>
+            <a:r>
+              <a:rPr lang="en-US" dirty="0" err="1"/>
+              <a:t>unistd.h</a:t>
+            </a:r>
+            <a:r>
+              <a:rPr lang="en-US" dirty="0"/>
+              <a:t>&gt;     // read(), close()</a:t>
+            </a:r>
+          </a:p>
+          <a:p>
+            <a:r>
+              <a:rPr lang="en-US" dirty="0"/>
               <a:t>#include &lt;iostream&gt;</a:t>
             </a:r>
           </a:p>
           <a:p>
-            <a:r>
-              <a:rPr lang="en-US" dirty="0"/>
-              <a:t>#include &lt;</a:t>
+            <a:endParaRPr lang="en-US" dirty="0"/>
+          </a:p>
+          <a:p>
+            <a:r>
+              <a:rPr lang="en-US" dirty="0"/>
+              <a:t>using namespace std;</a:t>
+            </a:r>
+          </a:p>
+          <a:p>
+            <a:endParaRPr lang="en-US" dirty="0"/>
+          </a:p>
+          <a:p>
+            <a:r>
+              <a:rPr lang="en-US" dirty="0"/>
+              <a:t>int main() {</a:t>
+            </a:r>
+          </a:p>
+          <a:p>
+            <a:r>
+              <a:rPr lang="en-US" dirty="0"/>
+              <a:t>    int </a:t>
             </a:r>
             <a:r>
               <a:rPr lang="en-US" dirty="0" err="1"/>
-              <a:t>fstream</a:t>
-            </a:r>
-            <a:r>
-              <a:rPr lang="en-US" dirty="0"/>
-              <a:t>&gt;</a:t>
-            </a:r>
-          </a:p>
-          <a:p>
-            <a:r>
-              <a:rPr lang="en-US" dirty="0"/>
-              <a:t>#include &lt;string&gt;</a:t>
-            </a:r>
-          </a:p>
-          <a:p>
-            <a:r>
-              <a:rPr lang="en-US" dirty="0"/>
-              <a:t>using namespace std;</a:t>
+              <a:t>fd</a:t>
+            </a:r>
+            <a:r>
+              <a:rPr lang="en-US" dirty="0"/>
+              <a:t> = open("shared.txt", O_RDONLY);</a:t>
             </a:r>
           </a:p>
           <a:p>
@@ -3551,33 +3569,47 @@
           <a:p>
             <a:r>
               <a:rPr lang="en-US" dirty="0"/>
-              <a:t>int main() {</a:t>
-            </a:r>
+              <a:t>    char buffer[100];</a:t>
+            </a:r>
+          </a:p>
+          <a:p>
+            <a:r>
+              <a:rPr lang="en-US" dirty="0"/>
+              <a:t>    int n = read(</a:t>
+            </a:r>
+            <a:r>
+              <a:rPr lang="en-US" dirty="0" err="1"/>
+              <a:t>fd</a:t>
+            </a:r>
+            <a:r>
+              <a:rPr lang="en-US" dirty="0"/>
+              <a:t>, buffer, </a:t>
+            </a:r>
+            <a:r>
+              <a:rPr lang="en-US" dirty="0" err="1"/>
+              <a:t>sizeof</a:t>
+            </a:r>
+            <a:r>
+              <a:rPr lang="en-US" dirty="0"/>
+              <a:t>(buffer) - 1);</a:t>
+            </a:r>
+          </a:p>
+          <a:p>
+            <a:endParaRPr lang="en-US" dirty="0"/>
+          </a:p>
+          <a:p>
+            <a:r>
+              <a:rPr lang="en-US" dirty="0"/>
+              <a:t>    buffer[n] = '\0';   // end the string</a:t>
+            </a:r>
+          </a:p>
+          <a:p>
+            <a:endParaRPr lang="en-US" dirty="0"/>
           </a:p>
           <a:p>
             <a:r>
               <a:rPr lang="en-US" dirty="0"/>
               <a:t>    </a:t>
-            </a:r>
-            <a:r>
-              <a:rPr lang="en-US" dirty="0" err="1"/>
-              <a:t>ifstream</a:t>
-            </a:r>
-            <a:r>
-              <a:rPr lang="en-US" dirty="0"/>
-              <a:t> fin("shared.txt");   </a:t>
-            </a:r>
-          </a:p>
-          <a:p>
-            <a:r>
-              <a:rPr lang="en-US" dirty="0"/>
-              <a:t>    if (!fin) {</a:t>
-            </a:r>
-          </a:p>
-          <a:p>
-            <a:r>
-              <a:rPr lang="en-US" dirty="0"/>
-              <a:t>        </a:t>
             </a:r>
             <a:r>
               <a:rPr lang="en-US" dirty="0" err="1"/>
@@ -3585,73 +3617,7 @@
             </a:r>
             <a:r>
               <a:rPr lang="en-US" dirty="0"/>
-              <a:t> &lt;&lt; "Error opening file!\n";</a:t>
-            </a:r>
-          </a:p>
-          <a:p>
-            <a:r>
-              <a:rPr lang="en-US" dirty="0"/>
-              <a:t>        return 1;</a:t>
-            </a:r>
-          </a:p>
-          <a:p>
-            <a:r>
-              <a:rPr lang="en-US" dirty="0"/>
-              <a:t>    }</a:t>
-            </a:r>
-          </a:p>
-          <a:p>
-            <a:endParaRPr lang="en-US" dirty="0"/>
-          </a:p>
-          <a:p>
-            <a:r>
-              <a:rPr lang="en-US" dirty="0"/>
-              <a:t>    string message;</a:t>
-            </a:r>
-          </a:p>
-          <a:p>
-            <a:r>
-              <a:rPr lang="en-US" dirty="0"/>
-              <a:t>    </a:t>
-            </a:r>
-            <a:r>
-              <a:rPr lang="en-US" dirty="0" err="1"/>
-              <a:t>getline</a:t>
-            </a:r>
-            <a:r>
-              <a:rPr lang="en-US" dirty="0"/>
-              <a:t>(fin, message);        </a:t>
-            </a:r>
-          </a:p>
-          <a:p>
-            <a:r>
-              <a:rPr lang="en-US" dirty="0"/>
-              <a:t>    </a:t>
-            </a:r>
-            <a:r>
-              <a:rPr lang="en-US" dirty="0" err="1"/>
-              <a:t>fin.close</a:t>
-            </a:r>
-            <a:r>
-              <a:rPr lang="en-US" dirty="0"/>
-              <a:t>();</a:t>
-            </a:r>
-          </a:p>
-          <a:p>
-            <a:endParaRPr lang="en-US" dirty="0"/>
-          </a:p>
-          <a:p>
-            <a:r>
-              <a:rPr lang="en-US" dirty="0"/>
-              <a:t>    </a:t>
-            </a:r>
-            <a:r>
-              <a:rPr lang="en-US" dirty="0" err="1"/>
-              <a:t>cout</a:t>
-            </a:r>
-            <a:r>
-              <a:rPr lang="en-US" dirty="0"/>
-              <a:t> &lt;&lt; "Message from file: " &lt;&lt; message &lt;&lt; </a:t>
+              <a:t> &lt;&lt; buffer &lt;&lt; </a:t>
             </a:r>
             <a:r>
               <a:rPr lang="en-US" dirty="0" err="1"/>
@@ -3660,6 +3626,23 @@
             <a:r>
               <a:rPr lang="en-US" dirty="0"/>
               <a:t>;</a:t>
+            </a:r>
+          </a:p>
+          <a:p>
+            <a:endParaRPr lang="en-US" dirty="0"/>
+          </a:p>
+          <a:p>
+            <a:r>
+              <a:rPr lang="en-US" dirty="0"/>
+              <a:t>    close(</a:t>
+            </a:r>
+            <a:r>
+              <a:rPr lang="en-US" dirty="0" err="1"/>
+              <a:t>fd</a:t>
+            </a:r>
+            <a:r>
+              <a:rPr lang="en-US" dirty="0"/>
+              <a:t>);</a:t>
             </a:r>
           </a:p>
           <a:p>
@@ -3711,7 +3694,11 @@
             <p:ph type="title"/>
           </p:nvPr>
         </p:nvSpPr>
-        <p:spPr/>
+        <p:spPr>
+          <a:solidFill>
+            <a:schemeClr val="bg2"/>
+          </a:solidFill>
+        </p:spPr>
         <p:txBody>
           <a:bodyPr/>
           <a:lstStyle/>
@@ -3733,7 +3720,11 @@
             <p:ph idx="1"/>
           </p:nvPr>
         </p:nvSpPr>
-        <p:spPr/>
+        <p:spPr>
+          <a:solidFill>
+            <a:schemeClr val="bg2"/>
+          </a:solidFill>
+        </p:spPr>
         <p:txBody>
           <a:bodyPr/>
           <a:lstStyle/>
@@ -3817,12 +3808,17 @@
             <p:ph type="title"/>
           </p:nvPr>
         </p:nvSpPr>
-        <p:spPr/>
-        <p:txBody>
-          <a:bodyPr/>
-          <a:lstStyle/>
-          <a:p>
-            <a:r>
+        <p:spPr>
+          <a:solidFill>
+            <a:schemeClr val="bg2"/>
+          </a:solidFill>
+        </p:spPr>
+        <p:txBody>
+          <a:bodyPr/>
+          <a:lstStyle/>
+          <a:p>
+            <a:r>
+              <a:rPr dirty="0"/>
               <a:t>Disadvantages</a:t>
             </a:r>
           </a:p>
@@ -3838,7 +3834,11 @@
             <p:ph idx="1"/>
           </p:nvPr>
         </p:nvSpPr>
-        <p:spPr/>
+        <p:spPr>
+          <a:solidFill>
+            <a:schemeClr val="bg2"/>
+          </a:solidFill>
+        </p:spPr>
         <p:txBody>
           <a:bodyPr>
             <a:normAutofit fontScale="92500" lnSpcReduction="10000"/>
@@ -3985,12 +3985,17 @@
             <p:ph type="title"/>
           </p:nvPr>
         </p:nvSpPr>
-        <p:spPr/>
-        <p:txBody>
-          <a:bodyPr/>
-          <a:lstStyle/>
-          <a:p>
-            <a:r>
+        <p:spPr>
+          <a:solidFill>
+            <a:schemeClr val="bg2"/>
+          </a:solidFill>
+        </p:spPr>
+        <p:txBody>
+          <a:bodyPr/>
+          <a:lstStyle/>
+          <a:p>
+            <a:r>
+              <a:rPr dirty="0"/>
               <a:t>Real-Life Examples</a:t>
             </a:r>
           </a:p>
@@ -4006,7 +4011,11 @@
             <p:ph idx="1"/>
           </p:nvPr>
         </p:nvSpPr>
-        <p:spPr/>
+        <p:spPr>
+          <a:solidFill>
+            <a:schemeClr val="bg2"/>
+          </a:solidFill>
+        </p:spPr>
         <p:txBody>
           <a:bodyPr/>
           <a:lstStyle/>
@@ -4108,12 +4117,17 @@
             <p:ph type="title"/>
           </p:nvPr>
         </p:nvSpPr>
-        <p:spPr/>
-        <p:txBody>
-          <a:bodyPr/>
-          <a:lstStyle/>
-          <a:p>
-            <a:r>
+        <p:spPr>
+          <a:solidFill>
+            <a:schemeClr val="bg2"/>
+          </a:solidFill>
+        </p:spPr>
+        <p:txBody>
+          <a:bodyPr/>
+          <a:lstStyle/>
+          <a:p>
+            <a:r>
+              <a:rPr dirty="0"/>
               <a:t>Summary</a:t>
             </a:r>
           </a:p>
@@ -4129,12 +4143,17 @@
             <p:ph idx="1"/>
           </p:nvPr>
         </p:nvSpPr>
-        <p:spPr/>
-        <p:txBody>
-          <a:bodyPr/>
-          <a:lstStyle/>
-          <a:p>
-            <a:r>
+        <p:spPr>
+          <a:solidFill>
+            <a:schemeClr val="bg2"/>
+          </a:solidFill>
+        </p:spPr>
+        <p:txBody>
+          <a:bodyPr/>
+          <a:lstStyle/>
+          <a:p>
+            <a:r>
+              <a:rPr dirty="0"/>
               <a:t>IPC via shared files = simple but slow communication using disk files.</a:t>
             </a:r>
           </a:p>
@@ -4175,12 +4194,17 @@
             <p:ph type="title"/>
           </p:nvPr>
         </p:nvSpPr>
-        <p:spPr/>
-        <p:txBody>
-          <a:bodyPr/>
-          <a:lstStyle/>
-          <a:p>
-            <a:r>
+        <p:spPr>
+          <a:solidFill>
+            <a:schemeClr val="bg2"/>
+          </a:solidFill>
+        </p:spPr>
+        <p:txBody>
+          <a:bodyPr/>
+          <a:lstStyle/>
+          <a:p>
+            <a:r>
+              <a:rPr dirty="0"/>
               <a:t>What is a Process?</a:t>
             </a:r>
           </a:p>
@@ -4196,7 +4220,11 @@
             <p:ph idx="1"/>
           </p:nvPr>
         </p:nvSpPr>
-        <p:spPr/>
+        <p:spPr>
+          <a:solidFill>
+            <a:schemeClr val="bg2"/>
+          </a:solidFill>
+        </p:spPr>
         <p:txBody>
           <a:bodyPr/>
           <a:lstStyle/>
@@ -4261,7 +4289,11 @@
             <p:ph type="title"/>
           </p:nvPr>
         </p:nvSpPr>
-        <p:spPr/>
+        <p:spPr>
+          <a:solidFill>
+            <a:schemeClr val="bg2"/>
+          </a:solidFill>
+        </p:spPr>
         <p:txBody>
           <a:bodyPr/>
           <a:lstStyle/>
@@ -4330,12 +4362,15 @@
         </p:blipFill>
         <p:spPr>
           <a:xfrm>
-            <a:off x="188258" y="1094907"/>
-            <a:ext cx="9144000" cy="5056487"/>
+            <a:off x="188259" y="1748118"/>
+            <a:ext cx="8743910" cy="4835244"/>
           </a:xfrm>
           <a:prstGeom prst="rect">
             <a:avLst/>
           </a:prstGeom>
+          <a:solidFill>
+            <a:schemeClr val="bg2"/>
+          </a:solidFill>
         </p:spPr>
       </p:pic>
     </p:spTree>
@@ -4378,12 +4413,17 @@
             <p:ph type="title"/>
           </p:nvPr>
         </p:nvSpPr>
-        <p:spPr/>
-        <p:txBody>
-          <a:bodyPr/>
-          <a:lstStyle/>
-          <a:p>
-            <a:r>
+        <p:spPr>
+          <a:solidFill>
+            <a:schemeClr val="bg2"/>
+          </a:solidFill>
+        </p:spPr>
+        <p:txBody>
+          <a:bodyPr/>
+          <a:lstStyle/>
+          <a:p>
+            <a:r>
+              <a:rPr dirty="0"/>
               <a:t>What is IPC?</a:t>
             </a:r>
           </a:p>
@@ -4399,7 +4439,11 @@
             <p:ph idx="1"/>
           </p:nvPr>
         </p:nvSpPr>
-        <p:spPr/>
+        <p:spPr>
+          <a:solidFill>
+            <a:schemeClr val="bg2"/>
+          </a:solidFill>
+        </p:spPr>
         <p:txBody>
           <a:bodyPr/>
           <a:lstStyle/>
@@ -4470,12 +4514,17 @@
             <p:ph type="title"/>
           </p:nvPr>
         </p:nvSpPr>
-        <p:spPr/>
-        <p:txBody>
-          <a:bodyPr/>
-          <a:lstStyle/>
-          <a:p>
-            <a:r>
+        <p:spPr>
+          <a:solidFill>
+            <a:schemeClr val="bg2"/>
+          </a:solidFill>
+        </p:spPr>
+        <p:txBody>
+          <a:bodyPr/>
+          <a:lstStyle/>
+          <a:p>
+            <a:r>
+              <a:rPr dirty="0"/>
               <a:t>Why IPC is Needed</a:t>
             </a:r>
           </a:p>
@@ -4491,17 +4540,27 @@
             <p:ph idx="1"/>
           </p:nvPr>
         </p:nvSpPr>
-        <p:spPr/>
-        <p:txBody>
-          <a:bodyPr/>
-          <a:lstStyle/>
-          <a:p>
+        <p:spPr>
+          <a:solidFill>
+            <a:schemeClr val="bg2"/>
+          </a:solidFill>
+        </p:spPr>
+        <p:txBody>
+          <a:bodyPr/>
+          <a:lstStyle/>
+          <a:p>
+            <a:pPr marL="0" indent="0">
+              <a:buNone/>
+            </a:pPr>
             <a:r>
               <a:rPr dirty="0"/>
               <a:t>• Data sharing</a:t>
             </a:r>
           </a:p>
           <a:p>
+            <a:pPr marL="0" indent="0">
+              <a:buNone/>
+            </a:pPr>
             <a:r>
               <a:rPr dirty="0"/>
               <a:t>• Synchronization</a:t>
@@ -4520,6 +4579,9 @@
             </a:r>
           </a:p>
           <a:p>
+            <a:pPr marL="0" indent="0">
+              <a:buNone/>
+            </a:pPr>
             <a:r>
               <a:rPr dirty="0"/>
               <a:t>• Better system design</a:t>
@@ -4575,12 +4637,17 @@
             <p:ph type="title"/>
           </p:nvPr>
         </p:nvSpPr>
-        <p:spPr/>
-        <p:txBody>
-          <a:bodyPr/>
-          <a:lstStyle/>
-          <a:p>
-            <a:r>
+        <p:spPr>
+          <a:solidFill>
+            <a:schemeClr val="bg2"/>
+          </a:solidFill>
+        </p:spPr>
+        <p:txBody>
+          <a:bodyPr/>
+          <a:lstStyle/>
+          <a:p>
+            <a:r>
+              <a:rPr dirty="0"/>
               <a:t>Types of IPC</a:t>
             </a:r>
           </a:p>
@@ -4596,37 +4663,65 @@
             <p:ph idx="1"/>
           </p:nvPr>
         </p:nvSpPr>
-        <p:spPr/>
-        <p:txBody>
-          <a:bodyPr/>
-          <a:lstStyle/>
-          <a:p>
-            <a:r>
+        <p:spPr>
+          <a:solidFill>
+            <a:schemeClr val="bg2"/>
+          </a:solidFill>
+        </p:spPr>
+        <p:txBody>
+          <a:bodyPr/>
+          <a:lstStyle/>
+          <a:p>
+            <a:pPr marL="0" indent="0">
+              <a:buNone/>
+            </a:pPr>
+            <a:r>
+              <a:rPr dirty="0"/>
               <a:t>• Pipes</a:t>
             </a:r>
           </a:p>
           <a:p>
-            <a:r>
+            <a:pPr marL="0" indent="0">
+              <a:buNone/>
+            </a:pPr>
+            <a:r>
+              <a:rPr dirty="0"/>
               <a:t>• Message Queues</a:t>
             </a:r>
           </a:p>
           <a:p>
-            <a:r>
+            <a:pPr marL="0" indent="0">
+              <a:buNone/>
+            </a:pPr>
+            <a:r>
+              <a:rPr dirty="0"/>
               <a:t>• Shared Memory</a:t>
             </a:r>
           </a:p>
           <a:p>
-            <a:r>
+            <a:pPr marL="0" indent="0">
+              <a:buNone/>
+            </a:pPr>
+            <a:r>
+              <a:rPr dirty="0"/>
               <a:t>• Sockets</a:t>
             </a:r>
           </a:p>
           <a:p>
-            <a:r>
+            <a:pPr marL="0" indent="0">
+              <a:buNone/>
+            </a:pPr>
+            <a:r>
+              <a:rPr dirty="0"/>
               <a:t>• Signals</a:t>
             </a:r>
           </a:p>
           <a:p>
-            <a:r>
+            <a:pPr marL="0" indent="0">
+              <a:buNone/>
+            </a:pPr>
+            <a:r>
+              <a:rPr dirty="0"/>
               <a:t>• Shared Files (focus)</a:t>
             </a:r>
           </a:p>
@@ -4667,12 +4762,17 @@
             <p:ph type="title"/>
           </p:nvPr>
         </p:nvSpPr>
-        <p:spPr/>
-        <p:txBody>
-          <a:bodyPr/>
-          <a:lstStyle/>
-          <a:p>
-            <a:r>
+        <p:spPr>
+          <a:solidFill>
+            <a:schemeClr val="bg2"/>
+          </a:solidFill>
+        </p:spPr>
+        <p:txBody>
+          <a:bodyPr/>
+          <a:lstStyle/>
+          <a:p>
+            <a:r>
+              <a:rPr dirty="0"/>
               <a:t>What is IPC via Shared Files?</a:t>
             </a:r>
           </a:p>
@@ -4688,17 +4788,23 @@
             <p:ph idx="1"/>
           </p:nvPr>
         </p:nvSpPr>
-        <p:spPr/>
-        <p:txBody>
-          <a:bodyPr/>
-          <a:lstStyle/>
-          <a:p>
-            <a:r>
+        <p:spPr>
+          <a:solidFill>
+            <a:schemeClr val="bg2"/>
+          </a:solidFill>
+        </p:spPr>
+        <p:txBody>
+          <a:bodyPr/>
+          <a:lstStyle/>
+          <a:p>
+            <a:r>
+              <a:rPr dirty="0"/>
               <a:t>Processes communicate by reading/writing the same file.</a:t>
             </a:r>
           </a:p>
           <a:p>
             <a:r>
+              <a:rPr dirty="0"/>
               <a:t>A file acts as communication medium.</a:t>
             </a:r>
           </a:p>
@@ -4841,12 +4947,17 @@
             <p:ph type="title"/>
           </p:nvPr>
         </p:nvSpPr>
-        <p:spPr/>
-        <p:txBody>
-          <a:bodyPr/>
-          <a:lstStyle/>
-          <a:p>
-            <a:r>
+        <p:spPr>
+          <a:solidFill>
+            <a:schemeClr val="bg2"/>
+          </a:solidFill>
+        </p:spPr>
+        <p:txBody>
+          <a:bodyPr/>
+          <a:lstStyle/>
+          <a:p>
+            <a:r>
+              <a:rPr dirty="0"/>
               <a:t>How It Works</a:t>
             </a:r>
           </a:p>
@@ -4862,7 +4973,11 @@
             <p:ph idx="1"/>
           </p:nvPr>
         </p:nvSpPr>
-        <p:spPr/>
+        <p:spPr>
+          <a:solidFill>
+            <a:schemeClr val="bg2"/>
+          </a:solidFill>
+        </p:spPr>
         <p:txBody>
           <a:bodyPr/>
           <a:lstStyle/>
